--- a/Frontent.pptx
+++ b/Frontent.pptx
@@ -6201,14 +6201,14 @@
           <p:nvPr>
             <p:extLst>
               <p:ext uri="{D42A27DB-BD31-4B8C-83A1-F6EECF244321}">
-                <p14:modId xmlns:p14="http://schemas.microsoft.com/office/powerpoint/2010/main" val="749441313"/>
+                <p14:modId xmlns:p14="http://schemas.microsoft.com/office/powerpoint/2010/main" val="1309150308"/>
               </p:ext>
             </p:extLst>
           </p:nvPr>
         </p:nvGraphicFramePr>
         <p:xfrm>
           <a:off x="2915816" y="1340768"/>
-          <a:ext cx="2574977" cy="2974516"/>
+          <a:ext cx="3015445" cy="2974516"/>
         </p:xfrm>
         <a:graphic>
           <a:graphicData uri="http://schemas.openxmlformats.org/drawingml/2006/table">
@@ -6217,11 +6217,30 @@
                 <a:tableStyleId>{073A0DAA-6AF3-43AB-8588-CEC1D06C72B9}</a:tableStyleId>
               </a:tblPr>
               <a:tblGrid>
-                <a:gridCol w="784860"/>
+                <a:gridCol w="697230"/>
                 <a:gridCol w="767080"/>
-                <a:gridCol w="1023037"/>
+                <a:gridCol w="767080"/>
+                <a:gridCol w="784055"/>
               </a:tblGrid>
               <a:tr h="144016">
+                <a:tc>
+                  <a:txBody>
+                    <a:bodyPr/>
+                    <a:lstStyle/>
+                    <a:p>
+                      <a:r>
+                        <a:rPr lang="de-CH" sz="1200" dirty="0" smtClean="0"/>
+                        <a:t>ID</a:t>
+                      </a:r>
+                      <a:r>
+                        <a:rPr lang="de-CH" sz="1200" baseline="0" dirty="0" smtClean="0"/>
+                        <a:t> Spiel</a:t>
+                      </a:r>
+                      <a:endParaRPr lang="de-CH" sz="1200" dirty="0"/>
+                    </a:p>
+                  </a:txBody>
+                  <a:tcPr/>
+                </a:tc>
                 <a:tc>
                   <a:txBody>
                     <a:bodyPr/>
@@ -6290,6 +6309,20 @@
                     <a:p>
                       <a:r>
                         <a:rPr lang="de-CH" sz="1200" dirty="0" smtClean="0"/>
+                        <a:t>2489</a:t>
+                      </a:r>
+                      <a:endParaRPr lang="de-CH" sz="1200" dirty="0"/>
+                    </a:p>
+                  </a:txBody>
+                  <a:tcPr/>
+                </a:tc>
+                <a:tc>
+                  <a:txBody>
+                    <a:bodyPr/>
+                    <a:lstStyle/>
+                    <a:p>
+                      <a:r>
+                        <a:rPr lang="de-CH" sz="1200" dirty="0" smtClean="0"/>
                         <a:t>Phil</a:t>
                       </a:r>
                       <a:endParaRPr lang="de-CH" sz="1200" dirty="0"/>
@@ -6334,8 +6367,8 @@
                         <a:defRPr/>
                       </a:pPr>
                       <a:r>
-                        <a:rPr lang="de-CH" sz="1200" dirty="0" err="1" smtClean="0"/>
-                        <a:t>Math</a:t>
+                        <a:rPr lang="de-CH" sz="1200" dirty="0" smtClean="0"/>
+                        <a:t>Spieler 1</a:t>
                       </a:r>
                       <a:endParaRPr lang="de-CH" sz="1200" dirty="0" smtClean="0"/>
                     </a:p>
@@ -6344,6 +6377,16 @@
                 </a:tc>
               </a:tr>
               <a:tr h="0">
+                <a:tc>
+                  <a:txBody>
+                    <a:bodyPr/>
+                    <a:lstStyle/>
+                    <a:p>
+                      <a:endParaRPr lang="de-CH" sz="1200" dirty="0"/>
+                    </a:p>
+                  </a:txBody>
+                  <a:tcPr/>
+                </a:tc>
                 <a:tc>
                   <a:txBody>
                     <a:bodyPr/>
@@ -6418,6 +6461,16 @@
                     <a:bodyPr/>
                     <a:lstStyle/>
                     <a:p>
+                      <a:endParaRPr lang="de-CH" sz="1200" dirty="0"/>
+                    </a:p>
+                  </a:txBody>
+                  <a:tcPr/>
+                </a:tc>
+                <a:tc>
+                  <a:txBody>
+                    <a:bodyPr/>
+                    <a:lstStyle/>
+                    <a:p>
                       <a:endParaRPr lang="de-CH" sz="1200"/>
                     </a:p>
                   </a:txBody>
@@ -6455,6 +6508,16 @@
                   </a:txBody>
                   <a:tcPr/>
                 </a:tc>
+                <a:tc>
+                  <a:txBody>
+                    <a:bodyPr/>
+                    <a:lstStyle/>
+                    <a:p>
+                      <a:endParaRPr lang="de-CH" sz="1200"/>
+                    </a:p>
+                  </a:txBody>
+                  <a:tcPr/>
+                </a:tc>
               </a:tr>
               <a:tr h="377869">
                 <a:tc>
@@ -6472,6 +6535,16 @@
                     <a:bodyPr/>
                     <a:lstStyle/>
                     <a:p>
+                      <a:endParaRPr lang="de-CH" sz="1200" dirty="0"/>
+                    </a:p>
+                  </a:txBody>
+                  <a:tcPr/>
+                </a:tc>
+                <a:tc>
+                  <a:txBody>
+                    <a:bodyPr/>
+                    <a:lstStyle/>
+                    <a:p>
                       <a:endParaRPr lang="de-CH" sz="1200"/>
                     </a:p>
                   </a:txBody>
@@ -6514,6 +6587,16 @@
                     <a:bodyPr/>
                     <a:lstStyle/>
                     <a:p>
+                      <a:endParaRPr lang="de-CH" sz="1200"/>
+                    </a:p>
+                  </a:txBody>
+                  <a:tcPr/>
+                </a:tc>
+                <a:tc>
+                  <a:txBody>
+                    <a:bodyPr/>
+                    <a:lstStyle/>
+                    <a:p>
                       <a:endParaRPr lang="de-CH" sz="1200" dirty="0"/>
                     </a:p>
                   </a:txBody>
@@ -6521,6 +6604,16 @@
                 </a:tc>
               </a:tr>
               <a:tr h="377869">
+                <a:tc>
+                  <a:txBody>
+                    <a:bodyPr/>
+                    <a:lstStyle/>
+                    <a:p>
+                      <a:endParaRPr lang="de-CH" sz="1200" dirty="0"/>
+                    </a:p>
+                  </a:txBody>
+                  <a:tcPr/>
+                </a:tc>
                 <a:tc>
                   <a:txBody>
                     <a:bodyPr/>
@@ -6562,6 +6655,50 @@
           </a:graphicData>
         </a:graphic>
       </p:graphicFrame>
+      <p:sp>
+        <p:nvSpPr>
+          <p:cNvPr id="2" name="Rechteck 1"/>
+          <p:cNvSpPr/>
+          <p:nvPr/>
+        </p:nvSpPr>
+        <p:spPr>
+          <a:xfrm>
+            <a:off x="1945452" y="1268760"/>
+            <a:ext cx="576064" cy="144016"/>
+          </a:xfrm>
+          <a:prstGeom prst="rect">
+            <a:avLst/>
+          </a:prstGeom>
+        </p:spPr>
+        <p:style>
+          <a:lnRef idx="2">
+            <a:schemeClr val="dk1">
+              <a:shade val="50000"/>
+            </a:schemeClr>
+          </a:lnRef>
+          <a:fillRef idx="1">
+            <a:schemeClr val="dk1"/>
+          </a:fillRef>
+          <a:effectRef idx="0">
+            <a:schemeClr val="dk1"/>
+          </a:effectRef>
+          <a:fontRef idx="minor">
+            <a:schemeClr val="lt1"/>
+          </a:fontRef>
+        </p:style>
+        <p:txBody>
+          <a:bodyPr rtlCol="0" anchor="ctr"/>
+          <a:lstStyle/>
+          <a:p>
+            <a:pPr algn="ctr"/>
+            <a:r>
+              <a:rPr lang="de-CH" sz="900" dirty="0" smtClean="0"/>
+              <a:t>Details</a:t>
+            </a:r>
+            <a:endParaRPr lang="de-CH" sz="900" dirty="0"/>
+          </a:p>
+        </p:txBody>
+      </p:sp>
     </p:spTree>
     <p:extLst>
       <p:ext uri="{BB962C8B-B14F-4D97-AF65-F5344CB8AC3E}">
